--- a/documents/最終成果物フォルダ/01_ペルソナ設定シート_フルーツバスケット.pptx
+++ b/documents/最終成果物フォルダ/01_ペルソナ設定シート_フルーツバスケット.pptx
@@ -7,8 +7,6 @@
   <p:sldIdLst>
     <p:sldId id="256" r:id="rId2"/>
     <p:sldId id="257" r:id="rId3"/>
-    <p:sldId id="259" r:id="rId4"/>
-    <p:sldId id="258" r:id="rId5"/>
   </p:sldIdLst>
   <p:sldSz cx="12192000" cy="6858000"/>
   <p:notesSz cx="6858000" cy="9144000"/>
@@ -308,7 +306,7 @@
             <a:fld id="{BF80A5BA-5808-439D-8F14-DD23526067FA}" type="datetimeFigureOut">
               <a:rPr lang="ja-JP" altLang="en-US" smtClean="0"/>
               <a:pPr/>
-              <a:t>2025/6/4</a:t>
+              <a:t>2025/6/27</a:t>
             </a:fld>
             <a:endParaRPr lang="ja-JP" altLang="en-US"/>
           </a:p>
@@ -438,7 +436,7 @@
           <a:p>
             <a:fld id="{BF80A5BA-5808-439D-8F14-DD23526067FA}" type="datetimeFigureOut">
               <a:rPr kumimoji="1" lang="ja-JP" altLang="en-US" smtClean="0"/>
-              <a:t>2025/6/4</a:t>
+              <a:t>2025/6/27</a:t>
             </a:fld>
             <a:endParaRPr kumimoji="1" lang="ja-JP" altLang="en-US"/>
           </a:p>
@@ -781,7 +779,7 @@
           <a:p>
             <a:fld id="{BF80A5BA-5808-439D-8F14-DD23526067FA}" type="datetimeFigureOut">
               <a:rPr kumimoji="1" lang="ja-JP" altLang="en-US" smtClean="0"/>
-              <a:t>2025/6/4</a:t>
+              <a:t>2025/6/27</a:t>
             </a:fld>
             <a:endParaRPr kumimoji="1" lang="ja-JP" altLang="en-US"/>
           </a:p>
@@ -1069,7 +1067,7 @@
           <a:p>
             <a:fld id="{BF80A5BA-5808-439D-8F14-DD23526067FA}" type="datetimeFigureOut">
               <a:rPr kumimoji="1" lang="ja-JP" altLang="en-US" smtClean="0"/>
-              <a:t>2025/6/4</a:t>
+              <a:t>2025/6/27</a:t>
             </a:fld>
             <a:endParaRPr kumimoji="1" lang="ja-JP" altLang="en-US"/>
           </a:p>
@@ -1299,7 +1297,7 @@
           <a:p>
             <a:fld id="{BF80A5BA-5808-439D-8F14-DD23526067FA}" type="datetimeFigureOut">
               <a:rPr kumimoji="1" lang="ja-JP" altLang="en-US" smtClean="0"/>
-              <a:t>2025/6/4</a:t>
+              <a:t>2025/6/27</a:t>
             </a:fld>
             <a:endParaRPr kumimoji="1" lang="ja-JP" altLang="en-US"/>
           </a:p>
@@ -1539,7 +1537,7 @@
           <a:p>
             <a:fld id="{BF80A5BA-5808-439D-8F14-DD23526067FA}" type="datetimeFigureOut">
               <a:rPr kumimoji="1" lang="ja-JP" altLang="en-US" smtClean="0"/>
-              <a:t>2025/6/4</a:t>
+              <a:t>2025/6/27</a:t>
             </a:fld>
             <a:endParaRPr kumimoji="1" lang="ja-JP" altLang="en-US"/>
           </a:p>
@@ -1863,7 +1861,7 @@
           <a:p>
             <a:fld id="{BF80A5BA-5808-439D-8F14-DD23526067FA}" type="datetimeFigureOut">
               <a:rPr kumimoji="1" lang="ja-JP" altLang="en-US" smtClean="0"/>
-              <a:t>2025/6/4</a:t>
+              <a:t>2025/6/27</a:t>
             </a:fld>
             <a:endParaRPr kumimoji="1" lang="ja-JP" altLang="en-US"/>
           </a:p>
@@ -2611,7 +2609,7 @@
           <a:p>
             <a:fld id="{BF80A5BA-5808-439D-8F14-DD23526067FA}" type="datetimeFigureOut">
               <a:rPr kumimoji="1" lang="ja-JP" altLang="en-US" smtClean="0"/>
-              <a:t>2025/6/4</a:t>
+              <a:t>2025/6/27</a:t>
             </a:fld>
             <a:endParaRPr kumimoji="1" lang="ja-JP" altLang="en-US"/>
           </a:p>
@@ -2932,7 +2930,7 @@
           <a:p>
             <a:fld id="{BF80A5BA-5808-439D-8F14-DD23526067FA}" type="datetimeFigureOut">
               <a:rPr kumimoji="1" lang="ja-JP" altLang="en-US" smtClean="0"/>
-              <a:t>2025/6/4</a:t>
+              <a:t>2025/6/27</a:t>
             </a:fld>
             <a:endParaRPr kumimoji="1" lang="ja-JP" altLang="en-US"/>
           </a:p>
@@ -3162,7 +3160,7 @@
           <a:p>
             <a:fld id="{BF80A5BA-5808-439D-8F14-DD23526067FA}" type="datetimeFigureOut">
               <a:rPr kumimoji="1" lang="ja-JP" altLang="en-US" smtClean="0"/>
-              <a:t>2025/6/4</a:t>
+              <a:t>2025/6/27</a:t>
             </a:fld>
             <a:endParaRPr kumimoji="1" lang="ja-JP" altLang="en-US"/>
           </a:p>
@@ -3437,7 +3435,7 @@
           <a:p>
             <a:fld id="{BF80A5BA-5808-439D-8F14-DD23526067FA}" type="datetimeFigureOut">
               <a:rPr kumimoji="1" lang="ja-JP" altLang="en-US" smtClean="0"/>
-              <a:t>2025/6/4</a:t>
+              <a:t>2025/6/27</a:t>
             </a:fld>
             <a:endParaRPr kumimoji="1" lang="ja-JP" altLang="en-US"/>
           </a:p>
@@ -3766,7 +3764,7 @@
           <a:p>
             <a:fld id="{BF80A5BA-5808-439D-8F14-DD23526067FA}" type="datetimeFigureOut">
               <a:rPr kumimoji="1" lang="ja-JP" altLang="en-US" smtClean="0"/>
-              <a:t>2025/6/4</a:t>
+              <a:t>2025/6/27</a:t>
             </a:fld>
             <a:endParaRPr kumimoji="1" lang="ja-JP" altLang="en-US"/>
           </a:p>
@@ -4242,7 +4240,7 @@
           <a:p>
             <a:fld id="{BF80A5BA-5808-439D-8F14-DD23526067FA}" type="datetimeFigureOut">
               <a:rPr kumimoji="1" lang="ja-JP" altLang="en-US" smtClean="0"/>
-              <a:t>2025/6/4</a:t>
+              <a:t>2025/6/27</a:t>
             </a:fld>
             <a:endParaRPr kumimoji="1" lang="ja-JP" altLang="en-US"/>
           </a:p>
@@ -4383,7 +4381,7 @@
           <a:p>
             <a:fld id="{BF80A5BA-5808-439D-8F14-DD23526067FA}" type="datetimeFigureOut">
               <a:rPr kumimoji="1" lang="ja-JP" altLang="en-US" smtClean="0"/>
-              <a:t>2025/6/4</a:t>
+              <a:t>2025/6/27</a:t>
             </a:fld>
             <a:endParaRPr kumimoji="1" lang="ja-JP" altLang="en-US"/>
           </a:p>
@@ -4656,7 +4654,7 @@
             <a:fld id="{BF80A5BA-5808-439D-8F14-DD23526067FA}" type="datetimeFigureOut">
               <a:rPr lang="ja-JP" altLang="en-US" smtClean="0"/>
               <a:pPr/>
-              <a:t>2025/6/4</a:t>
+              <a:t>2025/6/27</a:t>
             </a:fld>
             <a:endParaRPr lang="ja-JP" altLang="en-US"/>
           </a:p>
@@ -5645,520 +5643,6 @@
 </p:sld>
 </file>
 
-<file path=ppt/slides/slide3.xml><?xml version="1.0" encoding="utf-8"?>
-<p:sld xmlns:a="http://schemas.openxmlformats.org/drawingml/2006/main" xmlns:r="http://schemas.openxmlformats.org/officeDocument/2006/relationships" xmlns:p="http://schemas.openxmlformats.org/presentationml/2006/main">
-  <p:cSld>
-    <p:spTree>
-      <p:nvGrpSpPr>
-        <p:cNvPr id="1" name=""/>
-        <p:cNvGrpSpPr/>
-        <p:nvPr/>
-      </p:nvGrpSpPr>
-      <p:grpSpPr>
-        <a:xfrm>
-          <a:off x="0" y="0"/>
-          <a:ext cx="0" cy="0"/>
-          <a:chOff x="0" y="0"/>
-          <a:chExt cx="0" cy="0"/>
-        </a:xfrm>
-      </p:grpSpPr>
-      <p:sp>
-        <p:nvSpPr>
-          <p:cNvPr id="8" name="タイトル 7">
-            <a:extLst>
-              <a:ext uri="{FF2B5EF4-FFF2-40B4-BE49-F238E27FC236}">
-                <a16:creationId xmlns:a16="http://schemas.microsoft.com/office/drawing/2014/main" id="{8B3CA71F-F80C-A8D5-6522-ED124147D408}"/>
-              </a:ext>
-            </a:extLst>
-          </p:cNvPr>
-          <p:cNvSpPr>
-            <a:spLocks noGrp="1"/>
-          </p:cNvSpPr>
-          <p:nvPr>
-            <p:ph type="title"/>
-          </p:nvPr>
-        </p:nvSpPr>
-        <p:spPr/>
-        <p:txBody>
-          <a:bodyPr/>
-          <a:lstStyle/>
-          <a:p>
-            <a:endParaRPr lang="ja-JP" altLang="en-US"/>
-          </a:p>
-        </p:txBody>
-      </p:sp>
-      <p:sp>
-        <p:nvSpPr>
-          <p:cNvPr id="9" name="コンテンツ プレースホルダー 8">
-            <a:extLst>
-              <a:ext uri="{FF2B5EF4-FFF2-40B4-BE49-F238E27FC236}">
-                <a16:creationId xmlns:a16="http://schemas.microsoft.com/office/drawing/2014/main" id="{A4966631-77A1-2C81-1C6E-385BCA99674B}"/>
-              </a:ext>
-            </a:extLst>
-          </p:cNvPr>
-          <p:cNvSpPr>
-            <a:spLocks noGrp="1"/>
-          </p:cNvSpPr>
-          <p:nvPr>
-            <p:ph idx="1"/>
-          </p:nvPr>
-        </p:nvSpPr>
-        <p:spPr/>
-        <p:txBody>
-          <a:bodyPr/>
-          <a:lstStyle/>
-          <a:p>
-            <a:endParaRPr lang="ja-JP" altLang="en-US"/>
-          </a:p>
-        </p:txBody>
-      </p:sp>
-    </p:spTree>
-    <p:extLst>
-      <p:ext uri="{BB962C8B-B14F-4D97-AF65-F5344CB8AC3E}">
-        <p14:creationId xmlns:p14="http://schemas.microsoft.com/office/powerpoint/2010/main" val="330292564"/>
-      </p:ext>
-    </p:extLst>
-  </p:cSld>
-  <p:clrMapOvr>
-    <a:masterClrMapping/>
-  </p:clrMapOvr>
-</p:sld>
-</file>
-
-<file path=ppt/slides/slide4.xml><?xml version="1.0" encoding="utf-8"?>
-<p:sld xmlns:a="http://schemas.openxmlformats.org/drawingml/2006/main" xmlns:r="http://schemas.openxmlformats.org/officeDocument/2006/relationships" xmlns:p="http://schemas.openxmlformats.org/presentationml/2006/main">
-  <p:cSld>
-    <p:spTree>
-      <p:nvGrpSpPr>
-        <p:cNvPr id="1" name=""/>
-        <p:cNvGrpSpPr/>
-        <p:nvPr/>
-      </p:nvGrpSpPr>
-      <p:grpSpPr>
-        <a:xfrm>
-          <a:off x="0" y="0"/>
-          <a:ext cx="0" cy="0"/>
-          <a:chOff x="0" y="0"/>
-          <a:chExt cx="0" cy="0"/>
-        </a:xfrm>
-      </p:grpSpPr>
-      <p:sp>
-        <p:nvSpPr>
-          <p:cNvPr id="5" name="タイトル 4">
-            <a:extLst>
-              <a:ext uri="{FF2B5EF4-FFF2-40B4-BE49-F238E27FC236}">
-                <a16:creationId xmlns:a16="http://schemas.microsoft.com/office/drawing/2014/main" id="{3E6D96E0-DB69-F9DB-1909-1FFF8CDAFCD2}"/>
-              </a:ext>
-            </a:extLst>
-          </p:cNvPr>
-          <p:cNvSpPr>
-            <a:spLocks noGrp="1"/>
-          </p:cNvSpPr>
-          <p:nvPr>
-            <p:ph type="title"/>
-          </p:nvPr>
-        </p:nvSpPr>
-        <p:spPr/>
-        <p:txBody>
-          <a:bodyPr/>
-          <a:lstStyle/>
-          <a:p>
-            <a:r>
-              <a:rPr lang="ja-JP" altLang="en-US" dirty="0"/>
-              <a:t>ペルソナ（サンプル）</a:t>
-            </a:r>
-          </a:p>
-        </p:txBody>
-      </p:sp>
-      <p:sp>
-        <p:nvSpPr>
-          <p:cNvPr id="6" name="コンテンツ プレースホルダー 5">
-            <a:extLst>
-              <a:ext uri="{FF2B5EF4-FFF2-40B4-BE49-F238E27FC236}">
-                <a16:creationId xmlns:a16="http://schemas.microsoft.com/office/drawing/2014/main" id="{592C0A9F-32A9-19BE-516C-A3CE839FBEB9}"/>
-              </a:ext>
-            </a:extLst>
-          </p:cNvPr>
-          <p:cNvSpPr>
-            <a:spLocks noGrp="1"/>
-          </p:cNvSpPr>
-          <p:nvPr>
-            <p:ph idx="1"/>
-          </p:nvPr>
-        </p:nvSpPr>
-        <p:spPr/>
-        <p:txBody>
-          <a:bodyPr/>
-          <a:lstStyle/>
-          <a:p>
-            <a:r>
-              <a:rPr lang="ja-JP" altLang="en-US" dirty="0"/>
-              <a:t>インテリアが好きで、デザイナーになりたいと思い学生時代から雑貨屋でアルバイトをする。</a:t>
-            </a:r>
-            <a:r>
-              <a:rPr lang="en-US" altLang="ja-JP" dirty="0"/>
-              <a:t>22</a:t>
-            </a:r>
-            <a:r>
-              <a:rPr lang="ja-JP" altLang="en-US" dirty="0"/>
-              <a:t>歳で大学卒業と共に大手家具・インテリアメーカーに入社。曲線の無いシャープなデザインが好き。入社後、現場を知ることが大切だと言われショップに勤務。ショップは先輩社員１名（店長）と後輩社員１名、アルバイトが約２０名。入社から３年で副店長になる。現在７年目だが、いまだにショップ勤務（３店め）であることに不満がある。</a:t>
-            </a:r>
-            <a:endParaRPr lang="en-US" altLang="ja-JP" dirty="0"/>
-          </a:p>
-          <a:p>
-            <a:r>
-              <a:rPr lang="ja-JP" altLang="en-US" dirty="0"/>
-              <a:t>生活：通勤は電車</a:t>
-            </a:r>
-            <a:r>
-              <a:rPr lang="en-US" altLang="ja-JP" dirty="0"/>
-              <a:t>20</a:t>
-            </a:r>
-            <a:r>
-              <a:rPr lang="ja-JP" altLang="en-US" dirty="0"/>
-              <a:t>分込みで片道</a:t>
-            </a:r>
-            <a:r>
-              <a:rPr lang="en-US" altLang="ja-JP" dirty="0"/>
-              <a:t>35</a:t>
-            </a:r>
-            <a:r>
-              <a:rPr lang="ja-JP" altLang="en-US" dirty="0"/>
-              <a:t>分。シフト制で</a:t>
-            </a:r>
-            <a:r>
-              <a:rPr lang="en-US" altLang="ja-JP" dirty="0"/>
-              <a:t>10:00</a:t>
-            </a:r>
-            <a:r>
-              <a:rPr lang="ja-JP" altLang="en-US" dirty="0"/>
-              <a:t>～</a:t>
-            </a:r>
-            <a:r>
-              <a:rPr lang="en-US" altLang="ja-JP" dirty="0"/>
-              <a:t>19:00</a:t>
-            </a:r>
-            <a:r>
-              <a:rPr lang="ja-JP" altLang="en-US" dirty="0"/>
-              <a:t>または</a:t>
-            </a:r>
-            <a:r>
-              <a:rPr lang="en-US" altLang="ja-JP" dirty="0"/>
-              <a:t>12:00</a:t>
-            </a:r>
-            <a:r>
-              <a:rPr lang="ja-JP" altLang="en-US" dirty="0"/>
-              <a:t>～</a:t>
-            </a:r>
-            <a:r>
-              <a:rPr lang="en-US" altLang="ja-JP" dirty="0"/>
-              <a:t>21:00</a:t>
-            </a:r>
-            <a:r>
-              <a:rPr lang="ja-JP" altLang="en-US" dirty="0"/>
-              <a:t>。実際には</a:t>
-            </a:r>
-            <a:r>
-              <a:rPr lang="en-US" altLang="ja-JP" dirty="0"/>
-              <a:t>10:00</a:t>
-            </a:r>
-            <a:r>
-              <a:rPr lang="ja-JP" altLang="en-US" dirty="0"/>
-              <a:t>～</a:t>
-            </a:r>
-            <a:r>
-              <a:rPr lang="en-US" altLang="ja-JP" dirty="0"/>
-              <a:t>21:00</a:t>
-            </a:r>
-            <a:r>
-              <a:rPr lang="ja-JP" altLang="en-US" dirty="0"/>
-              <a:t>になることも多い。休みは不定休。自炊は好きだが、ずぼらな部分があり、食材が無駄になることがあるためあまりやらないようにしている。休みの日は疲労回復のため、マッサージに行く以外は家でのんびりしていることが多い。飲酒もしないため、仕事の日もスーパーで弁当を買ってそのまま帰ることがほとんど。</a:t>
-            </a:r>
-          </a:p>
-        </p:txBody>
-      </p:sp>
-      <p:pic>
-        <p:nvPicPr>
-          <p:cNvPr id="3" name="図プレースホルダー 2" descr="窓のそばに座っている女性&#10;&#10;低い精度で自動的に生成された説明">
-            <a:extLst>
-              <a:ext uri="{FF2B5EF4-FFF2-40B4-BE49-F238E27FC236}">
-                <a16:creationId xmlns:a16="http://schemas.microsoft.com/office/drawing/2014/main" id="{B724A874-5A55-B6EC-ADC9-999E142903EF}"/>
-              </a:ext>
-            </a:extLst>
-          </p:cNvPr>
-          <p:cNvPicPr>
-            <a:picLocks noGrp="1" noChangeAspect="1"/>
-          </p:cNvPicPr>
-          <p:nvPr>
-            <p:ph type="pic" idx="13"/>
-          </p:nvPr>
-        </p:nvPicPr>
-        <p:blipFill>
-          <a:blip r:embed="rId2">
-            <a:extLst>
-              <a:ext uri="{28A0092B-C50C-407E-A947-70E740481C1C}">
-                <a14:useLocalDpi xmlns:a14="http://schemas.microsoft.com/office/drawing/2010/main" val="0"/>
-              </a:ext>
-            </a:extLst>
-          </a:blip>
-          <a:srcRect t="7075" b="7075"/>
-          <a:stretch>
-            <a:fillRect/>
-          </a:stretch>
-        </p:blipFill>
-        <p:spPr/>
-      </p:pic>
-      <p:sp>
-        <p:nvSpPr>
-          <p:cNvPr id="8" name="コンテンツ プレースホルダー 7">
-            <a:extLst>
-              <a:ext uri="{FF2B5EF4-FFF2-40B4-BE49-F238E27FC236}">
-                <a16:creationId xmlns:a16="http://schemas.microsoft.com/office/drawing/2014/main" id="{379FC890-E959-B17C-0B67-60764F38B270}"/>
-              </a:ext>
-            </a:extLst>
-          </p:cNvPr>
-          <p:cNvSpPr>
-            <a:spLocks noGrp="1"/>
-          </p:cNvSpPr>
-          <p:nvPr>
-            <p:ph idx="14"/>
-          </p:nvPr>
-        </p:nvSpPr>
-        <p:spPr/>
-        <p:txBody>
-          <a:bodyPr/>
-          <a:lstStyle/>
-          <a:p>
-            <a:r>
-              <a:rPr lang="ja-JP" altLang="en-US" dirty="0"/>
-              <a:t>氏名：山田夕貴 やまだゆうき</a:t>
-            </a:r>
-            <a:endParaRPr lang="en-US" altLang="ja-JP" dirty="0"/>
-          </a:p>
-          <a:p>
-            <a:r>
-              <a:rPr lang="ja-JP" altLang="en-US" dirty="0"/>
-              <a:t>年齢：</a:t>
-            </a:r>
-            <a:r>
-              <a:rPr lang="en-US" altLang="ja-JP" dirty="0"/>
-              <a:t>29</a:t>
-            </a:r>
-            <a:r>
-              <a:rPr lang="ja-JP" altLang="en-US" dirty="0"/>
-              <a:t>歳</a:t>
-            </a:r>
-            <a:endParaRPr lang="en-US" altLang="ja-JP" dirty="0"/>
-          </a:p>
-          <a:p>
-            <a:r>
-              <a:rPr lang="ja-JP" altLang="en-US" dirty="0"/>
-              <a:t>職業：インテリア雑貨販売（副店長）</a:t>
-            </a:r>
-            <a:endParaRPr lang="en-US" altLang="ja-JP" dirty="0"/>
-          </a:p>
-          <a:p>
-            <a:r>
-              <a:rPr lang="ja-JP" altLang="en-US" dirty="0"/>
-              <a:t>収入：４６０万円</a:t>
-            </a:r>
-            <a:endParaRPr lang="en-US" altLang="ja-JP" dirty="0"/>
-          </a:p>
-          <a:p>
-            <a:r>
-              <a:rPr lang="ja-JP" altLang="en-US" dirty="0"/>
-              <a:t>学歴：大学卒</a:t>
-            </a:r>
-            <a:endParaRPr lang="en-US" altLang="ja-JP" dirty="0"/>
-          </a:p>
-          <a:p>
-            <a:r>
-              <a:rPr lang="ja-JP" altLang="en-US" dirty="0"/>
-              <a:t>出生：宮城県</a:t>
-            </a:r>
-            <a:endParaRPr lang="en-US" altLang="ja-JP" dirty="0"/>
-          </a:p>
-          <a:p>
-            <a:r>
-              <a:rPr lang="ja-JP" altLang="en-US" dirty="0"/>
-              <a:t>家族：両親と弟。一人暮らし</a:t>
-            </a:r>
-            <a:endParaRPr lang="en-US" altLang="ja-JP" dirty="0"/>
-          </a:p>
-          <a:p>
-            <a:r>
-              <a:rPr lang="ja-JP" altLang="en-US" dirty="0"/>
-              <a:t>特徴：本来は人付き合いが好き。近年は仕事で人と話すことに疲れてきている。学生時代の友人とは疎遠になっている。会社の同期５人は仲がいいものの、勤務地が違うためたまに会う程度。</a:t>
-            </a:r>
-            <a:endParaRPr lang="en-US" altLang="ja-JP" dirty="0"/>
-          </a:p>
-          <a:p>
-            <a:endParaRPr lang="ja-JP" altLang="en-US" dirty="0"/>
-          </a:p>
-        </p:txBody>
-      </p:sp>
-      <p:sp>
-        <p:nvSpPr>
-          <p:cNvPr id="9" name="コンテンツ プレースホルダー 8">
-            <a:extLst>
-              <a:ext uri="{FF2B5EF4-FFF2-40B4-BE49-F238E27FC236}">
-                <a16:creationId xmlns:a16="http://schemas.microsoft.com/office/drawing/2014/main" id="{493798B9-4269-FE7D-9164-A9C163CDA212}"/>
-              </a:ext>
-            </a:extLst>
-          </p:cNvPr>
-          <p:cNvSpPr>
-            <a:spLocks noGrp="1"/>
-          </p:cNvSpPr>
-          <p:nvPr>
-            <p:ph idx="15"/>
-          </p:nvPr>
-        </p:nvSpPr>
-        <p:spPr/>
-        <p:txBody>
-          <a:bodyPr/>
-          <a:lstStyle/>
-          <a:p>
-            <a:r>
-              <a:rPr lang="en-US" altLang="ja-JP" dirty="0"/>
-              <a:t>LINE</a:t>
-            </a:r>
-            <a:r>
-              <a:rPr lang="ja-JP" altLang="en-US" dirty="0"/>
-              <a:t>：毎日。タイムラインは見ない。</a:t>
-            </a:r>
-          </a:p>
-          <a:p>
-            <a:r>
-              <a:rPr lang="en-US" altLang="ja-JP" dirty="0"/>
-              <a:t>X(</a:t>
-            </a:r>
-            <a:r>
-              <a:rPr lang="ja-JP" altLang="en-US" dirty="0"/>
-              <a:t>旧</a:t>
-            </a:r>
-            <a:r>
-              <a:rPr lang="en-US" altLang="ja-JP" dirty="0"/>
-              <a:t>Twitter)</a:t>
-            </a:r>
-            <a:r>
-              <a:rPr lang="ja-JP" altLang="en-US" dirty="0"/>
-              <a:t>：利用していない。</a:t>
-            </a:r>
-          </a:p>
-          <a:p>
-            <a:r>
-              <a:rPr lang="en-US" altLang="ja-JP" dirty="0"/>
-              <a:t>Instagram</a:t>
-            </a:r>
-            <a:r>
-              <a:rPr lang="ja-JP" altLang="en-US" dirty="0"/>
-              <a:t>：毎日。たまにカフェに行った時に食事のみ投稿。</a:t>
-            </a:r>
-          </a:p>
-          <a:p>
-            <a:r>
-              <a:rPr lang="en-US" altLang="ja-JP" dirty="0"/>
-              <a:t>Facebook</a:t>
-            </a:r>
-            <a:r>
-              <a:rPr lang="ja-JP" altLang="en-US" dirty="0"/>
-              <a:t>：登録したが、投稿はしていない。学生時代の友人の投稿をたまに見る。</a:t>
-            </a:r>
-          </a:p>
-          <a:p>
-            <a:r>
-              <a:rPr lang="en-US" altLang="ja-JP" dirty="0"/>
-              <a:t>YouTube</a:t>
-            </a:r>
-            <a:r>
-              <a:rPr lang="ja-JP" altLang="en-US" dirty="0"/>
-              <a:t>：家に帰ってからはよく見ている。趣味のネイルに関する動画を見ながら食事をすることが多い。</a:t>
-            </a:r>
-            <a:endParaRPr lang="en-US" altLang="ja-JP" dirty="0"/>
-          </a:p>
-          <a:p>
-            <a:r>
-              <a:rPr lang="en-US" altLang="ja-JP" dirty="0"/>
-              <a:t>TikTok</a:t>
-            </a:r>
-            <a:r>
-              <a:rPr lang="ja-JP" altLang="en-US" dirty="0"/>
-              <a:t>：ちょっと冷めた目で見ているが、羨ましさも感じる。</a:t>
-            </a:r>
-          </a:p>
-        </p:txBody>
-      </p:sp>
-      <p:sp>
-        <p:nvSpPr>
-          <p:cNvPr id="10" name="コンテンツ プレースホルダー 9">
-            <a:extLst>
-              <a:ext uri="{FF2B5EF4-FFF2-40B4-BE49-F238E27FC236}">
-                <a16:creationId xmlns:a16="http://schemas.microsoft.com/office/drawing/2014/main" id="{C50AD0BA-A02F-B48B-174F-11495177E997}"/>
-              </a:ext>
-            </a:extLst>
-          </p:cNvPr>
-          <p:cNvSpPr>
-            <a:spLocks noGrp="1"/>
-          </p:cNvSpPr>
-          <p:nvPr>
-            <p:ph idx="16"/>
-          </p:nvPr>
-        </p:nvSpPr>
-        <p:spPr/>
-        <p:txBody>
-          <a:bodyPr/>
-          <a:lstStyle/>
-          <a:p>
-            <a:r>
-              <a:rPr lang="ja-JP" altLang="en-US" dirty="0"/>
-              <a:t>不満：仕事が「思っていたものと違う」。日々、接客をすることに疲れを感じている。浅いコミュニケーションが多いため、会話はする割に人と繋がっていないようなもやもやがある。仕事が忙しく、何か新しいことを始める気にはなれない。最近は同期グループの</a:t>
-            </a:r>
-            <a:r>
-              <a:rPr lang="en-US" altLang="ja-JP" dirty="0"/>
-              <a:t>LINE</a:t>
-            </a:r>
-            <a:r>
-              <a:rPr lang="ja-JP" altLang="en-US" dirty="0"/>
-              <a:t>に反応するのも面倒になってきた。</a:t>
-            </a:r>
-            <a:endParaRPr lang="en-US" altLang="ja-JP" dirty="0"/>
-          </a:p>
-          <a:p>
-            <a:r>
-              <a:rPr lang="ja-JP" altLang="en-US" dirty="0"/>
-              <a:t>満足：動画を見た後、コメント欄を読んで同じ感想を持った人がいるとちょっと嬉しくなる。家でゴミ箱に向かってティッシュを投げた時、フチに当たらずにスパっと入ったときは一人でガッツポーズしている。</a:t>
-            </a:r>
-            <a:endParaRPr lang="en-US" altLang="ja-JP" dirty="0"/>
-          </a:p>
-          <a:p>
-            <a:r>
-              <a:rPr lang="ja-JP" altLang="en-US" dirty="0"/>
-              <a:t>欲求：仕事では、今更デザインに回してもらえるとは思えず、違う業界に転職するか、いっそ店長としてバリバリ働きたい。会社で人間関係を構築していきたいとも思わないが、やはり人と繋がりたい。でも深くつながるのは面倒でもある。</a:t>
-            </a:r>
-            <a:r>
-              <a:rPr lang="en-US" altLang="ja-JP" dirty="0"/>
-              <a:t>SNS</a:t>
-            </a:r>
-            <a:r>
-              <a:rPr lang="ja-JP" altLang="en-US" dirty="0"/>
-              <a:t>で繋がるのは性に合わなかった。</a:t>
-            </a:r>
-          </a:p>
-        </p:txBody>
-      </p:sp>
-    </p:spTree>
-    <p:extLst>
-      <p:ext uri="{BB962C8B-B14F-4D97-AF65-F5344CB8AC3E}">
-        <p14:creationId xmlns:p14="http://schemas.microsoft.com/office/powerpoint/2010/main" val="527882648"/>
-      </p:ext>
-    </p:extLst>
-  </p:cSld>
-  <p:clrMapOvr>
-    <a:masterClrMapping/>
-  </p:clrMapOvr>
-</p:sld>
-</file>
-
 <file path=ppt/theme/theme1.xml><?xml version="1.0" encoding="utf-8"?>
 <a:theme xmlns:a="http://schemas.openxmlformats.org/drawingml/2006/main" name="Office テーマ">
   <a:themeElements>
